--- a/docs/diagrams/AddPrescriptionCommandSequenceDiagram.pptx
+++ b/docs/diagrams/AddPrescriptionCommandSequenceDiagram.pptx
@@ -3764,7 +3764,7 @@
                   <a:schemeClr val="bg1"/>
                 </a:solidFill>
               </a:rPr>
-              <a:t>:Address</a:t>
+              <a:t>:Health</a:t>
             </a:r>
           </a:p>
           <a:p>
@@ -5065,7 +5065,7 @@
                   <a:schemeClr val="bg1"/>
                 </a:solidFill>
               </a:rPr>
-              <a:t>VersionedAddressBook</a:t>
+              <a:t>VersionedHealthBook</a:t>
             </a:r>
             <a:endParaRPr lang="en-SG" sz="1200" dirty="0">
               <a:solidFill>
